--- a/BIDS_apps/BIDS_apps.pptx
+++ b/BIDS_apps/BIDS_apps.pptx
@@ -215,7 +215,7 @@
           <a:p>
             <a:fld id="{97509AF0-3D7D-D349-9342-588B22F70A23}" type="datetimeFigureOut">
               <a:rPr lang="en-US" smtClean="0"/>
-              <a:t>5/1/18</a:t>
+              <a:t>5/2/18</a:t>
             </a:fld>
             <a:endParaRPr lang="en-US"/>
           </a:p>
@@ -1529,7 +1529,7 @@
           <a:p>
             <a:fld id="{D96B889D-35A9-AD42-90C0-37BDFE60FEFE}" type="datetimeFigureOut">
               <a:rPr lang="en-US" smtClean="0"/>
-              <a:t>5/1/18</a:t>
+              <a:t>5/2/18</a:t>
             </a:fld>
             <a:endParaRPr lang="en-US"/>
           </a:p>
@@ -1727,7 +1727,7 @@
           <a:p>
             <a:fld id="{D96B889D-35A9-AD42-90C0-37BDFE60FEFE}" type="datetimeFigureOut">
               <a:rPr lang="en-US" smtClean="0"/>
-              <a:t>5/1/18</a:t>
+              <a:t>5/2/18</a:t>
             </a:fld>
             <a:endParaRPr lang="en-US"/>
           </a:p>
@@ -1935,7 +1935,7 @@
           <a:p>
             <a:fld id="{D96B889D-35A9-AD42-90C0-37BDFE60FEFE}" type="datetimeFigureOut">
               <a:rPr lang="en-US" smtClean="0"/>
-              <a:t>5/1/18</a:t>
+              <a:t>5/2/18</a:t>
             </a:fld>
             <a:endParaRPr lang="en-US"/>
           </a:p>
@@ -2133,7 +2133,7 @@
           <a:p>
             <a:fld id="{D96B889D-35A9-AD42-90C0-37BDFE60FEFE}" type="datetimeFigureOut">
               <a:rPr lang="en-US" smtClean="0"/>
-              <a:t>5/1/18</a:t>
+              <a:t>5/2/18</a:t>
             </a:fld>
             <a:endParaRPr lang="en-US"/>
           </a:p>
@@ -2408,7 +2408,7 @@
           <a:p>
             <a:fld id="{D96B889D-35A9-AD42-90C0-37BDFE60FEFE}" type="datetimeFigureOut">
               <a:rPr lang="en-US" smtClean="0"/>
-              <a:t>5/1/18</a:t>
+              <a:t>5/2/18</a:t>
             </a:fld>
             <a:endParaRPr lang="en-US"/>
           </a:p>
@@ -2673,7 +2673,7 @@
           <a:p>
             <a:fld id="{D96B889D-35A9-AD42-90C0-37BDFE60FEFE}" type="datetimeFigureOut">
               <a:rPr lang="en-US" smtClean="0"/>
-              <a:t>5/1/18</a:t>
+              <a:t>5/2/18</a:t>
             </a:fld>
             <a:endParaRPr lang="en-US"/>
           </a:p>
@@ -3085,7 +3085,7 @@
           <a:p>
             <a:fld id="{D96B889D-35A9-AD42-90C0-37BDFE60FEFE}" type="datetimeFigureOut">
               <a:rPr lang="en-US" smtClean="0"/>
-              <a:t>5/1/18</a:t>
+              <a:t>5/2/18</a:t>
             </a:fld>
             <a:endParaRPr lang="en-US"/>
           </a:p>
@@ -3226,7 +3226,7 @@
           <a:p>
             <a:fld id="{D96B889D-35A9-AD42-90C0-37BDFE60FEFE}" type="datetimeFigureOut">
               <a:rPr lang="en-US" smtClean="0"/>
-              <a:t>5/1/18</a:t>
+              <a:t>5/2/18</a:t>
             </a:fld>
             <a:endParaRPr lang="en-US"/>
           </a:p>
@@ -3339,7 +3339,7 @@
           <a:p>
             <a:fld id="{D96B889D-35A9-AD42-90C0-37BDFE60FEFE}" type="datetimeFigureOut">
               <a:rPr lang="en-US" smtClean="0"/>
-              <a:t>5/1/18</a:t>
+              <a:t>5/2/18</a:t>
             </a:fld>
             <a:endParaRPr lang="en-US"/>
           </a:p>
@@ -3650,7 +3650,7 @@
           <a:p>
             <a:fld id="{D96B889D-35A9-AD42-90C0-37BDFE60FEFE}" type="datetimeFigureOut">
               <a:rPr lang="en-US" smtClean="0"/>
-              <a:t>5/1/18</a:t>
+              <a:t>5/2/18</a:t>
             </a:fld>
             <a:endParaRPr lang="en-US"/>
           </a:p>
@@ -3938,7 +3938,7 @@
           <a:p>
             <a:fld id="{D96B889D-35A9-AD42-90C0-37BDFE60FEFE}" type="datetimeFigureOut">
               <a:rPr lang="en-US" smtClean="0"/>
-              <a:t>5/1/18</a:t>
+              <a:t>5/2/18</a:t>
             </a:fld>
             <a:endParaRPr lang="en-US"/>
           </a:p>
@@ -4179,7 +4179,7 @@
           <a:p>
             <a:fld id="{D96B889D-35A9-AD42-90C0-37BDFE60FEFE}" type="datetimeFigureOut">
               <a:rPr lang="en-US" smtClean="0"/>
-              <a:t>5/1/18</a:t>
+              <a:t>5/2/18</a:t>
             </a:fld>
             <a:endParaRPr lang="en-US"/>
           </a:p>
@@ -17814,7 +17814,9 @@
           <a:lstStyle/>
           <a:p>
             <a:r>
-              <a:rPr lang="en-US" dirty="0" err="1"/>
+              <a:rPr lang="en-US" dirty="0" err="1">
+                <a:hlinkClick r:id="rId3"/>
+              </a:rPr>
               <a:t>OpenNeuro</a:t>
             </a:r>
             <a:endParaRPr lang="en-US" dirty="0"/>
